--- a/Chapter2/images/observables_diagram.pptx
+++ b/Chapter2/images/observables_diagram.pptx
@@ -192,7 +192,7 @@
           <a:p>
             <a:fld id="{6809C6A6-5F0B-0045-B5AC-499CB8657CBD}" type="datetimeFigureOut">
               <a:rPr lang="en-US" smtClean="0"/>
-              <a:t>10/4/17</a:t>
+              <a:t>11/30/17</a:t>
             </a:fld>
             <a:endParaRPr lang="en-US"/>
           </a:p>
@@ -725,7 +725,7 @@
           <a:p>
             <a:fld id="{C5DD75EB-270D-3844-A48B-D052B94A49D9}" type="datetimeFigureOut">
               <a:rPr lang="en-US" smtClean="0"/>
-              <a:t>10/4/17</a:t>
+              <a:t>11/30/17</a:t>
             </a:fld>
             <a:endParaRPr lang="en-US"/>
           </a:p>
@@ -895,7 +895,7 @@
           <a:p>
             <a:fld id="{C5DD75EB-270D-3844-A48B-D052B94A49D9}" type="datetimeFigureOut">
               <a:rPr lang="en-US" smtClean="0"/>
-              <a:t>10/4/17</a:t>
+              <a:t>11/30/17</a:t>
             </a:fld>
             <a:endParaRPr lang="en-US"/>
           </a:p>
@@ -1075,7 +1075,7 @@
           <a:p>
             <a:fld id="{C5DD75EB-270D-3844-A48B-D052B94A49D9}" type="datetimeFigureOut">
               <a:rPr lang="en-US" smtClean="0"/>
-              <a:t>10/4/17</a:t>
+              <a:t>11/30/17</a:t>
             </a:fld>
             <a:endParaRPr lang="en-US"/>
           </a:p>
@@ -1245,7 +1245,7 @@
           <a:p>
             <a:fld id="{C5DD75EB-270D-3844-A48B-D052B94A49D9}" type="datetimeFigureOut">
               <a:rPr lang="en-US" smtClean="0"/>
-              <a:t>10/4/17</a:t>
+              <a:t>11/30/17</a:t>
             </a:fld>
             <a:endParaRPr lang="en-US"/>
           </a:p>
@@ -1491,7 +1491,7 @@
           <a:p>
             <a:fld id="{C5DD75EB-270D-3844-A48B-D052B94A49D9}" type="datetimeFigureOut">
               <a:rPr lang="en-US" smtClean="0"/>
-              <a:t>10/4/17</a:t>
+              <a:t>11/30/17</a:t>
             </a:fld>
             <a:endParaRPr lang="en-US"/>
           </a:p>
@@ -1779,7 +1779,7 @@
           <a:p>
             <a:fld id="{C5DD75EB-270D-3844-A48B-D052B94A49D9}" type="datetimeFigureOut">
               <a:rPr lang="en-US" smtClean="0"/>
-              <a:t>10/4/17</a:t>
+              <a:t>11/30/17</a:t>
             </a:fld>
             <a:endParaRPr lang="en-US"/>
           </a:p>
@@ -2201,7 +2201,7 @@
           <a:p>
             <a:fld id="{C5DD75EB-270D-3844-A48B-D052B94A49D9}" type="datetimeFigureOut">
               <a:rPr lang="en-US" smtClean="0"/>
-              <a:t>10/4/17</a:t>
+              <a:t>11/30/17</a:t>
             </a:fld>
             <a:endParaRPr lang="en-US"/>
           </a:p>
@@ -2319,7 +2319,7 @@
           <a:p>
             <a:fld id="{C5DD75EB-270D-3844-A48B-D052B94A49D9}" type="datetimeFigureOut">
               <a:rPr lang="en-US" smtClean="0"/>
-              <a:t>10/4/17</a:t>
+              <a:t>11/30/17</a:t>
             </a:fld>
             <a:endParaRPr lang="en-US"/>
           </a:p>
@@ -2414,7 +2414,7 @@
           <a:p>
             <a:fld id="{C5DD75EB-270D-3844-A48B-D052B94A49D9}" type="datetimeFigureOut">
               <a:rPr lang="en-US" smtClean="0"/>
-              <a:t>10/4/17</a:t>
+              <a:t>11/30/17</a:t>
             </a:fld>
             <a:endParaRPr lang="en-US"/>
           </a:p>
@@ -2691,7 +2691,7 @@
           <a:p>
             <a:fld id="{C5DD75EB-270D-3844-A48B-D052B94A49D9}" type="datetimeFigureOut">
               <a:rPr lang="en-US" smtClean="0"/>
-              <a:t>10/4/17</a:t>
+              <a:t>11/30/17</a:t>
             </a:fld>
             <a:endParaRPr lang="en-US"/>
           </a:p>
@@ -2944,7 +2944,7 @@
           <a:p>
             <a:fld id="{C5DD75EB-270D-3844-A48B-D052B94A49D9}" type="datetimeFigureOut">
               <a:rPr lang="en-US" smtClean="0"/>
-              <a:t>10/4/17</a:t>
+              <a:t>11/30/17</a:t>
             </a:fld>
             <a:endParaRPr lang="en-US"/>
           </a:p>
@@ -3157,7 +3157,7 @@
           <a:p>
             <a:fld id="{C5DD75EB-270D-3844-A48B-D052B94A49D9}" type="datetimeFigureOut">
               <a:rPr lang="en-US" smtClean="0"/>
-              <a:t>10/4/17</a:t>
+              <a:t>11/30/17</a:t>
             </a:fld>
             <a:endParaRPr lang="en-US"/>
           </a:p>
@@ -5190,12 +5190,12 @@
           <a:p>
             <a:pPr algn="ctr"/>
             <a:r>
-              <a:rPr lang="en-US" dirty="0" smtClean="0"/>
+              <a:rPr lang="en-US" dirty="0" err="1" smtClean="0"/>
               <a:t>Xe</a:t>
             </a:r>
             <a:r>
-              <a:rPr lang="en-US" spc="-500" baseline="30000" dirty="0" smtClean="0"/>
-              <a:t>+</a:t>
+              <a:rPr lang="en-US" spc="-500" baseline="30000" dirty="0"/>
+              <a:t>*</a:t>
             </a:r>
             <a:r>
               <a:rPr lang="en-US" baseline="-25000" dirty="0" smtClean="0"/>
